--- a/public/user/output/U201812791-刘棫欣-1.《喜马拉雅FM免费增值策略对用户留存的影响的实证研究》/output_5_4.pptx
+++ b/public/user/output/U201812791-刘棫欣-1.《喜马拉雅FM免费增值策略对用户留存的影响的实证研究》/output_5_4.pptx
@@ -3946,30 +3946,177 @@
           </a:p>
         </p:txBody>
       </p:sp>
-      <p:pic>
-        <p:nvPicPr>
-          <p:cNvPr id="82" name="Picture 81" descr="13-rId23-image2.png"/>
-          <p:cNvPicPr>
-            <a:picLocks noChangeAspect="1"/>
-          </p:cNvPicPr>
+      <p:graphicFrame>
+        <p:nvGraphicFramePr>
+          <p:cNvPr id="82" name="Table 81"/>
+          <p:cNvGraphicFramePr>
+            <a:graphicFrameLocks noGrp="1"/>
+          </p:cNvGraphicFramePr>
           <p:nvPr/>
-        </p:nvPicPr>
-        <p:blipFill>
-          <a:blip r:embed="rId6"/>
-          <a:stretch>
-            <a:fillRect/>
-          </a:stretch>
-        </p:blipFill>
-        <p:spPr>
-          <a:xfrm>
-            <a:off x="914400" y="1828800"/>
-            <a:ext cx="5486400" cy="4114800"/>
-          </a:xfrm>
-          <a:prstGeom prst="rect">
-            <a:avLst/>
-          </a:prstGeom>
-        </p:spPr>
-      </p:pic>
+        </p:nvGraphicFramePr>
+        <p:xfrm>
+          <a:off x="914400" y="1828800"/>
+          <a:ext cx="5486400" cy="4114800"/>
+        </p:xfrm>
+        <a:graphic>
+          <a:graphicData uri="http://schemas.openxmlformats.org/drawingml/2006/table">
+            <a:tbl>
+              <a:tblPr firstRow="1" bandRow="1">
+                <a:tableStyleId>{5C22544A-7EE6-4342-B048-85BDC9FD1C3A}</a:tableStyleId>
+              </a:tblPr>
+              <a:tblGrid>
+                <a:gridCol w="1828800"/>
+                <a:gridCol w="1828800"/>
+                <a:gridCol w="1828800"/>
+              </a:tblGrid>
+              <a:tr h="1028700">
+                <a:tc>
+                  <a:txBody>
+                    <a:bodyPr/>
+                    <a:lstStyle/>
+                    <a:p>
+                      <a:r>
+                        <a:t>研究平台</a:t>
+                      </a:r>
+                    </a:p>
+                  </a:txBody>
+                  <a:tcPr/>
+                </a:tc>
+                <a:tc>
+                  <a:txBody>
+                    <a:bodyPr/>
+                    <a:lstStyle/>
+                    <a:p>
+                      <a:r>
+                        <a:t>数据源</a:t>
+                      </a:r>
+                    </a:p>
+                  </a:txBody>
+                  <a:tcPr/>
+                </a:tc>
+                <a:tc>
+                  <a:txBody>
+                    <a:bodyPr/>
+                    <a:lstStyle/>
+                    <a:p>
+                      <a:r>
+                        <a:t>URL</a:t>
+                      </a:r>
+                    </a:p>
+                  </a:txBody>
+                  <a:tcPr/>
+                </a:tc>
+              </a:tr>
+              <a:tr h="1028700">
+                <a:tc>
+                  <a:txBody>
+                    <a:bodyPr/>
+                    <a:lstStyle/>
+                    <a:p>
+                      <a:r>
+                        <a:t>喜马拉雅FM</a:t>
+                      </a:r>
+                    </a:p>
+                  </a:txBody>
+                  <a:tcPr/>
+                </a:tc>
+                <a:tc>
+                  <a:txBody>
+                    <a:bodyPr/>
+                    <a:lstStyle/>
+                    <a:p>
+                      <a:r>
+                        <a:t>电脑端网页版</a:t>
+                      </a:r>
+                    </a:p>
+                  </a:txBody>
+                  <a:tcPr/>
+                </a:tc>
+                <a:tc>
+                  <a:txBody>
+                    <a:bodyPr/>
+                    <a:lstStyle/>
+                    <a:p>
+                      <a:r>
+                        <a:t>https://www.ximalaya.com</a:t>
+                      </a:r>
+                    </a:p>
+                  </a:txBody>
+                  <a:tcPr/>
+                </a:tc>
+              </a:tr>
+              <a:tr h="1028700">
+                <a:tc>
+                  <a:txBody>
+                    <a:bodyPr/>
+                    <a:lstStyle/>
+                    <a:p/>
+                  </a:txBody>
+                  <a:tcPr/>
+                </a:tc>
+                <a:tc>
+                  <a:txBody>
+                    <a:bodyPr/>
+                    <a:lstStyle/>
+                    <a:p>
+                      <a:r>
+                        <a:t>手机端网页版</a:t>
+                      </a:r>
+                    </a:p>
+                  </a:txBody>
+                  <a:tcPr/>
+                </a:tc>
+                <a:tc>
+                  <a:txBody>
+                    <a:bodyPr/>
+                    <a:lstStyle/>
+                    <a:p>
+                      <a:r>
+                        <a:t>https://m.ximalaya.com</a:t>
+                      </a:r>
+                    </a:p>
+                  </a:txBody>
+                  <a:tcPr/>
+                </a:tc>
+              </a:tr>
+              <a:tr h="1028700">
+                <a:tc>
+                  <a:txBody>
+                    <a:bodyPr/>
+                    <a:lstStyle/>
+                    <a:p/>
+                  </a:txBody>
+                  <a:tcPr/>
+                </a:tc>
+                <a:tc>
+                  <a:txBody>
+                    <a:bodyPr/>
+                    <a:lstStyle/>
+                    <a:p>
+                      <a:r>
+                        <a:t>APP</a:t>
+                      </a:r>
+                    </a:p>
+                  </a:txBody>
+                  <a:tcPr/>
+                </a:tc>
+                <a:tc>
+                  <a:txBody>
+                    <a:bodyPr/>
+                    <a:lstStyle/>
+                    <a:p>
+                      <a:r>
+                        <a:t>https://mobile.ximalaya.com</a:t>
+                      </a:r>
+                    </a:p>
+                  </a:txBody>
+                  <a:tcPr/>
+                </a:tc>
+              </a:tr>
+            </a:tbl>
+          </a:graphicData>
+        </a:graphic>
+      </p:graphicFrame>
     </p:spTree>
   </p:cSld>
   <p:clrMapOvr>
